--- a/Fahrerinformationssysteme Webseite/Design of a Brake Assist demonstrator.pptx
+++ b/Fahrerinformationssysteme Webseite/Design of a Brake Assist demonstrator.pptx
@@ -110,6 +110,11 @@
       </a:defRPr>
     </a:lvl9pPr>
   </p:defaultTextStyle>
+  <p:extLst>
+    <p:ext uri="{EFAFB233-063F-42B5-8137-9DF3F51BA10A}">
+      <p15:sldGuideLst xmlns:p15="http://schemas.microsoft.com/office/powerpoint/2012/main"/>
+    </p:ext>
+  </p:extLst>
 </p:presentation>
 </file>
 
@@ -244,7 +249,7 @@
           <a:p>
             <a:fld id="{C49D82AF-2579-4145-AAC7-C44ED2C93762}" type="datetimeFigureOut">
               <a:rPr lang="en-GB" smtClean="0"/>
-              <a:t>24/02/2016</a:t>
+              <a:t>26/02/2016</a:t>
             </a:fld>
             <a:endParaRPr lang="en-GB"/>
           </a:p>
@@ -414,7 +419,7 @@
           <a:p>
             <a:fld id="{C49D82AF-2579-4145-AAC7-C44ED2C93762}" type="datetimeFigureOut">
               <a:rPr lang="en-GB" smtClean="0"/>
-              <a:t>24/02/2016</a:t>
+              <a:t>26/02/2016</a:t>
             </a:fld>
             <a:endParaRPr lang="en-GB"/>
           </a:p>
@@ -594,7 +599,7 @@
           <a:p>
             <a:fld id="{C49D82AF-2579-4145-AAC7-C44ED2C93762}" type="datetimeFigureOut">
               <a:rPr lang="en-GB" smtClean="0"/>
-              <a:t>24/02/2016</a:t>
+              <a:t>26/02/2016</a:t>
             </a:fld>
             <a:endParaRPr lang="en-GB"/>
           </a:p>
@@ -764,7 +769,7 @@
           <a:p>
             <a:fld id="{C49D82AF-2579-4145-AAC7-C44ED2C93762}" type="datetimeFigureOut">
               <a:rPr lang="en-GB" smtClean="0"/>
-              <a:t>24/02/2016</a:t>
+              <a:t>26/02/2016</a:t>
             </a:fld>
             <a:endParaRPr lang="en-GB"/>
           </a:p>
@@ -1010,7 +1015,7 @@
           <a:p>
             <a:fld id="{C49D82AF-2579-4145-AAC7-C44ED2C93762}" type="datetimeFigureOut">
               <a:rPr lang="en-GB" smtClean="0"/>
-              <a:t>24/02/2016</a:t>
+              <a:t>26/02/2016</a:t>
             </a:fld>
             <a:endParaRPr lang="en-GB"/>
           </a:p>
@@ -1242,7 +1247,7 @@
           <a:p>
             <a:fld id="{C49D82AF-2579-4145-AAC7-C44ED2C93762}" type="datetimeFigureOut">
               <a:rPr lang="en-GB" smtClean="0"/>
-              <a:t>24/02/2016</a:t>
+              <a:t>26/02/2016</a:t>
             </a:fld>
             <a:endParaRPr lang="en-GB"/>
           </a:p>
@@ -1609,7 +1614,7 @@
           <a:p>
             <a:fld id="{C49D82AF-2579-4145-AAC7-C44ED2C93762}" type="datetimeFigureOut">
               <a:rPr lang="en-GB" smtClean="0"/>
-              <a:t>24/02/2016</a:t>
+              <a:t>26/02/2016</a:t>
             </a:fld>
             <a:endParaRPr lang="en-GB"/>
           </a:p>
@@ -1727,7 +1732,7 @@
           <a:p>
             <a:fld id="{C49D82AF-2579-4145-AAC7-C44ED2C93762}" type="datetimeFigureOut">
               <a:rPr lang="en-GB" smtClean="0"/>
-              <a:t>24/02/2016</a:t>
+              <a:t>26/02/2016</a:t>
             </a:fld>
             <a:endParaRPr lang="en-GB"/>
           </a:p>
@@ -1822,7 +1827,7 @@
           <a:p>
             <a:fld id="{C49D82AF-2579-4145-AAC7-C44ED2C93762}" type="datetimeFigureOut">
               <a:rPr lang="en-GB" smtClean="0"/>
-              <a:t>24/02/2016</a:t>
+              <a:t>26/02/2016</a:t>
             </a:fld>
             <a:endParaRPr lang="en-GB"/>
           </a:p>
@@ -2099,7 +2104,7 @@
           <a:p>
             <a:fld id="{C49D82AF-2579-4145-AAC7-C44ED2C93762}" type="datetimeFigureOut">
               <a:rPr lang="en-GB" smtClean="0"/>
-              <a:t>24/02/2016</a:t>
+              <a:t>26/02/2016</a:t>
             </a:fld>
             <a:endParaRPr lang="en-GB"/>
           </a:p>
@@ -2352,7 +2357,7 @@
           <a:p>
             <a:fld id="{C49D82AF-2579-4145-AAC7-C44ED2C93762}" type="datetimeFigureOut">
               <a:rPr lang="en-GB" smtClean="0"/>
-              <a:t>24/02/2016</a:t>
+              <a:t>26/02/2016</a:t>
             </a:fld>
             <a:endParaRPr lang="en-GB"/>
           </a:p>
@@ -2565,7 +2570,7 @@
           <a:p>
             <a:fld id="{C49D82AF-2579-4145-AAC7-C44ED2C93762}" type="datetimeFigureOut">
               <a:rPr lang="en-GB" smtClean="0"/>
-              <a:t>24/02/2016</a:t>
+              <a:t>26/02/2016</a:t>
             </a:fld>
             <a:endParaRPr lang="en-GB"/>
           </a:p>
@@ -2998,8 +3003,12 @@
               <a:t> a Brake Assist </a:t>
             </a:r>
             <a:r>
-              <a:rPr lang="de-DE" dirty="0" err="1" smtClean="0"/>
-              <a:t>demonstrator</a:t>
+              <a:rPr lang="de-DE" dirty="0"/>
+              <a:t>D</a:t>
+            </a:r>
+            <a:r>
+              <a:rPr lang="de-DE" dirty="0" smtClean="0"/>
+              <a:t>emonstrator</a:t>
             </a:r>
             <a:endParaRPr lang="en-GB" dirty="0"/>
           </a:p>
@@ -4234,7 +4243,7 @@
         <p:spPr/>
         <p:txBody>
           <a:bodyPr>
-            <a:normAutofit lnSpcReduction="10000"/>
+            <a:normAutofit/>
           </a:bodyPr>
           <a:lstStyle/>
           <a:p>
@@ -4337,12 +4346,6 @@
           <a:p>
             <a:pPr lvl="1"/>
             <a:endParaRPr lang="de-DE" dirty="0"/>
-          </a:p>
-          <a:p>
-            <a:r>
-              <a:rPr lang="de-DE" dirty="0" smtClean="0"/>
-              <a:t>Linearer Fall funktionierte, beschleunigter jedoch noch nicht bis zur Abgabe</a:t>
-            </a:r>
           </a:p>
           <a:p>
             <a:pPr lvl="1"/>
